--- a/UWB_Doc/UWB定位.pptx
+++ b/UWB_Doc/UWB定位.pptx
@@ -17,6 +17,7 @@
     <p:sldId id="262" r:id="rId11"/>
     <p:sldId id="263" r:id="rId12"/>
     <p:sldId id="264" r:id="rId13"/>
+    <p:sldId id="268" r:id="rId14"/>
   </p:sldIdLst>
   <p:sldSz cx="12192000" cy="6858000"/>
   <p:notesSz cx="6858000" cy="9144000"/>
@@ -115,6 +116,11 @@
       </a:defRPr>
     </a:lvl9pPr>
   </p:defaultTextStyle>
+  <p:extLst>
+    <p:ext uri="{EFAFB233-063F-42B5-8137-9DF3F51BA10A}">
+      <p15:sldGuideLst xmlns:p15="http://schemas.microsoft.com/office/powerpoint/2012/main"/>
+    </p:ext>
+  </p:extLst>
 </p:presentation>
 </file>
 
@@ -265,7 +271,7 @@
           <a:p>
             <a:fld id="{6897CC22-9862-4678-AD31-5DAF103D7E21}" type="datetimeFigureOut">
               <a:rPr lang="zh-CN" altLang="en-US" smtClean="0"/>
-              <a:t>2021/8/24</a:t>
+              <a:t>2022/6/27</a:t>
             </a:fld>
             <a:endParaRPr lang="zh-CN" altLang="en-US"/>
           </a:p>
@@ -463,7 +469,7 @@
           <a:p>
             <a:fld id="{6897CC22-9862-4678-AD31-5DAF103D7E21}" type="datetimeFigureOut">
               <a:rPr lang="zh-CN" altLang="en-US" smtClean="0"/>
-              <a:t>2021/8/24</a:t>
+              <a:t>2022/6/27</a:t>
             </a:fld>
             <a:endParaRPr lang="zh-CN" altLang="en-US"/>
           </a:p>
@@ -671,7 +677,7 @@
           <a:p>
             <a:fld id="{6897CC22-9862-4678-AD31-5DAF103D7E21}" type="datetimeFigureOut">
               <a:rPr lang="zh-CN" altLang="en-US" smtClean="0"/>
-              <a:t>2021/8/24</a:t>
+              <a:t>2022/6/27</a:t>
             </a:fld>
             <a:endParaRPr lang="zh-CN" altLang="en-US"/>
           </a:p>
@@ -869,7 +875,7 @@
           <a:p>
             <a:fld id="{6897CC22-9862-4678-AD31-5DAF103D7E21}" type="datetimeFigureOut">
               <a:rPr lang="zh-CN" altLang="en-US" smtClean="0"/>
-              <a:t>2021/8/24</a:t>
+              <a:t>2022/6/27</a:t>
             </a:fld>
             <a:endParaRPr lang="zh-CN" altLang="en-US"/>
           </a:p>
@@ -1144,7 +1150,7 @@
           <a:p>
             <a:fld id="{6897CC22-9862-4678-AD31-5DAF103D7E21}" type="datetimeFigureOut">
               <a:rPr lang="zh-CN" altLang="en-US" smtClean="0"/>
-              <a:t>2021/8/24</a:t>
+              <a:t>2022/6/27</a:t>
             </a:fld>
             <a:endParaRPr lang="zh-CN" altLang="en-US"/>
           </a:p>
@@ -1409,7 +1415,7 @@
           <a:p>
             <a:fld id="{6897CC22-9862-4678-AD31-5DAF103D7E21}" type="datetimeFigureOut">
               <a:rPr lang="zh-CN" altLang="en-US" smtClean="0"/>
-              <a:t>2021/8/24</a:t>
+              <a:t>2022/6/27</a:t>
             </a:fld>
             <a:endParaRPr lang="zh-CN" altLang="en-US"/>
           </a:p>
@@ -1821,7 +1827,7 @@
           <a:p>
             <a:fld id="{6897CC22-9862-4678-AD31-5DAF103D7E21}" type="datetimeFigureOut">
               <a:rPr lang="zh-CN" altLang="en-US" smtClean="0"/>
-              <a:t>2021/8/24</a:t>
+              <a:t>2022/6/27</a:t>
             </a:fld>
             <a:endParaRPr lang="zh-CN" altLang="en-US"/>
           </a:p>
@@ -1962,7 +1968,7 @@
           <a:p>
             <a:fld id="{6897CC22-9862-4678-AD31-5DAF103D7E21}" type="datetimeFigureOut">
               <a:rPr lang="zh-CN" altLang="en-US" smtClean="0"/>
-              <a:t>2021/8/24</a:t>
+              <a:t>2022/6/27</a:t>
             </a:fld>
             <a:endParaRPr lang="zh-CN" altLang="en-US"/>
           </a:p>
@@ -2075,7 +2081,7 @@
           <a:p>
             <a:fld id="{6897CC22-9862-4678-AD31-5DAF103D7E21}" type="datetimeFigureOut">
               <a:rPr lang="zh-CN" altLang="en-US" smtClean="0"/>
-              <a:t>2021/8/24</a:t>
+              <a:t>2022/6/27</a:t>
             </a:fld>
             <a:endParaRPr lang="zh-CN" altLang="en-US"/>
           </a:p>
@@ -2386,7 +2392,7 @@
           <a:p>
             <a:fld id="{6897CC22-9862-4678-AD31-5DAF103D7E21}" type="datetimeFigureOut">
               <a:rPr lang="zh-CN" altLang="en-US" smtClean="0"/>
-              <a:t>2021/8/24</a:t>
+              <a:t>2022/6/27</a:t>
             </a:fld>
             <a:endParaRPr lang="zh-CN" altLang="en-US"/>
           </a:p>
@@ -2674,7 +2680,7 @@
           <a:p>
             <a:fld id="{6897CC22-9862-4678-AD31-5DAF103D7E21}" type="datetimeFigureOut">
               <a:rPr lang="zh-CN" altLang="en-US" smtClean="0"/>
-              <a:t>2021/8/24</a:t>
+              <a:t>2022/6/27</a:t>
             </a:fld>
             <a:endParaRPr lang="zh-CN" altLang="en-US"/>
           </a:p>
@@ -2915,7 +2921,7 @@
           <a:p>
             <a:fld id="{6897CC22-9862-4678-AD31-5DAF103D7E21}" type="datetimeFigureOut">
               <a:rPr lang="zh-CN" altLang="en-US" smtClean="0"/>
-              <a:t>2021/8/24</a:t>
+              <a:t>2022/6/27</a:t>
             </a:fld>
             <a:endParaRPr lang="zh-CN" altLang="en-US"/>
           </a:p>
@@ -3766,6 +3772,544 @@
     <p:extLst>
       <p:ext uri="{BB962C8B-B14F-4D97-AF65-F5344CB8AC3E}">
         <p14:creationId xmlns:p14="http://schemas.microsoft.com/office/powerpoint/2010/main" val="2900788923"/>
+      </p:ext>
+    </p:extLst>
+  </p:cSld>
+  <p:clrMapOvr>
+    <a:masterClrMapping/>
+  </p:clrMapOvr>
+</p:sld>
+</file>
+
+<file path=ppt/slides/slide13.xml><?xml version="1.0" encoding="utf-8"?>
+<p:sld xmlns:a="http://schemas.openxmlformats.org/drawingml/2006/main" xmlns:r="http://schemas.openxmlformats.org/officeDocument/2006/relationships" xmlns:p="http://schemas.openxmlformats.org/presentationml/2006/main">
+  <p:cSld>
+    <p:spTree>
+      <p:nvGrpSpPr>
+        <p:cNvPr id="1" name=""/>
+        <p:cNvGrpSpPr/>
+        <p:nvPr/>
+      </p:nvGrpSpPr>
+      <p:grpSpPr>
+        <a:xfrm>
+          <a:off x="0" y="0"/>
+          <a:ext cx="0" cy="0"/>
+          <a:chOff x="0" y="0"/>
+          <a:chExt cx="0" cy="0"/>
+        </a:xfrm>
+      </p:grpSpPr>
+      <p:grpSp>
+        <p:nvGrpSpPr>
+          <p:cNvPr id="17" name="组合 16">
+            <a:extLst>
+              <a:ext uri="{FF2B5EF4-FFF2-40B4-BE49-F238E27FC236}">
+                <a16:creationId xmlns:a16="http://schemas.microsoft.com/office/drawing/2014/main" id="{9283978D-393A-40B4-A9BC-EFE77A5B9D77}"/>
+              </a:ext>
+            </a:extLst>
+          </p:cNvPr>
+          <p:cNvGrpSpPr/>
+          <p:nvPr/>
+        </p:nvGrpSpPr>
+        <p:grpSpPr>
+          <a:xfrm>
+            <a:off x="3275013" y="1479550"/>
+            <a:ext cx="4768850" cy="3765550"/>
+            <a:chOff x="3275013" y="1479550"/>
+            <a:chExt cx="4768850" cy="3765550"/>
+          </a:xfrm>
+        </p:grpSpPr>
+        <p:pic>
+          <p:nvPicPr>
+            <p:cNvPr id="5" name="图片 4">
+              <a:extLst>
+                <a:ext uri="{FF2B5EF4-FFF2-40B4-BE49-F238E27FC236}">
+                  <a16:creationId xmlns:a16="http://schemas.microsoft.com/office/drawing/2014/main" id="{B28D0F1A-78A9-4AB4-9864-B53FAD12D2AC}"/>
+                </a:ext>
+              </a:extLst>
+            </p:cNvPr>
+            <p:cNvPicPr>
+              <a:picLocks noChangeAspect="1"/>
+            </p:cNvPicPr>
+            <p:nvPr/>
+          </p:nvPicPr>
+          <p:blipFill rotWithShape="1">
+            <a:blip r:embed="rId2">
+              <a:extLst>
+                <a:ext uri="{28A0092B-C50C-407E-A947-70E740481C1C}">
+                  <a14:useLocalDpi xmlns:a14="http://schemas.microsoft.com/office/drawing/2010/main" val="0"/>
+                </a:ext>
+              </a:extLst>
+            </a:blip>
+            <a:srcRect l="16846" t="10797" r="13213" b="12982"/>
+            <a:stretch/>
+          </p:blipFill>
+          <p:spPr>
+            <a:xfrm>
+              <a:off x="3275013" y="1479550"/>
+              <a:ext cx="4768850" cy="3765550"/>
+            </a:xfrm>
+            <a:prstGeom prst="rect">
+              <a:avLst/>
+            </a:prstGeom>
+          </p:spPr>
+        </p:pic>
+        <p:sp>
+          <p:nvSpPr>
+            <p:cNvPr id="6" name="流程图: 接点 5">
+              <a:extLst>
+                <a:ext uri="{FF2B5EF4-FFF2-40B4-BE49-F238E27FC236}">
+                  <a16:creationId xmlns:a16="http://schemas.microsoft.com/office/drawing/2014/main" id="{E309B12D-F12F-4FE1-80D2-FFB668B31FB5}"/>
+                </a:ext>
+              </a:extLst>
+            </p:cNvPr>
+            <p:cNvSpPr/>
+            <p:nvPr/>
+          </p:nvSpPr>
+          <p:spPr>
+            <a:xfrm>
+              <a:off x="4838695" y="2295521"/>
+              <a:ext cx="133351" cy="123826"/>
+            </a:xfrm>
+            <a:prstGeom prst="flowChartConnector">
+              <a:avLst/>
+            </a:prstGeom>
+          </p:spPr>
+          <p:style>
+            <a:lnRef idx="2">
+              <a:schemeClr val="dk1">
+                <a:shade val="50000"/>
+              </a:schemeClr>
+            </a:lnRef>
+            <a:fillRef idx="1">
+              <a:schemeClr val="dk1"/>
+            </a:fillRef>
+            <a:effectRef idx="0">
+              <a:schemeClr val="dk1"/>
+            </a:effectRef>
+            <a:fontRef idx="minor">
+              <a:schemeClr val="lt1"/>
+            </a:fontRef>
+          </p:style>
+          <p:txBody>
+            <a:bodyPr rtlCol="0" anchor="ctr"/>
+            <a:lstStyle/>
+            <a:p>
+              <a:pPr algn="ctr"/>
+              <a:endParaRPr lang="zh-CN" altLang="en-US"/>
+            </a:p>
+          </p:txBody>
+        </p:sp>
+        <p:sp>
+          <p:nvSpPr>
+            <p:cNvPr id="7" name="流程图: 接点 6">
+              <a:extLst>
+                <a:ext uri="{FF2B5EF4-FFF2-40B4-BE49-F238E27FC236}">
+                  <a16:creationId xmlns:a16="http://schemas.microsoft.com/office/drawing/2014/main" id="{26184D44-9EB0-499D-A130-E104101EA259}"/>
+                </a:ext>
+              </a:extLst>
+            </p:cNvPr>
+            <p:cNvSpPr/>
+            <p:nvPr/>
+          </p:nvSpPr>
+          <p:spPr>
+            <a:xfrm>
+              <a:off x="4848220" y="3791743"/>
+              <a:ext cx="133351" cy="123826"/>
+            </a:xfrm>
+            <a:prstGeom prst="flowChartConnector">
+              <a:avLst/>
+            </a:prstGeom>
+          </p:spPr>
+          <p:style>
+            <a:lnRef idx="2">
+              <a:schemeClr val="dk1">
+                <a:shade val="50000"/>
+              </a:schemeClr>
+            </a:lnRef>
+            <a:fillRef idx="1">
+              <a:schemeClr val="dk1"/>
+            </a:fillRef>
+            <a:effectRef idx="0">
+              <a:schemeClr val="dk1"/>
+            </a:effectRef>
+            <a:fontRef idx="minor">
+              <a:schemeClr val="lt1"/>
+            </a:fontRef>
+          </p:style>
+          <p:txBody>
+            <a:bodyPr rtlCol="0" anchor="ctr"/>
+            <a:lstStyle/>
+            <a:p>
+              <a:pPr algn="ctr"/>
+              <a:endParaRPr lang="zh-CN" altLang="en-US"/>
+            </a:p>
+          </p:txBody>
+        </p:sp>
+        <p:sp>
+          <p:nvSpPr>
+            <p:cNvPr id="8" name="流程图: 接点 7">
+              <a:extLst>
+                <a:ext uri="{FF2B5EF4-FFF2-40B4-BE49-F238E27FC236}">
+                  <a16:creationId xmlns:a16="http://schemas.microsoft.com/office/drawing/2014/main" id="{56F8D330-FF43-4B0B-A78D-70FBB04E5E43}"/>
+                </a:ext>
+              </a:extLst>
+            </p:cNvPr>
+            <p:cNvSpPr/>
+            <p:nvPr/>
+          </p:nvSpPr>
+          <p:spPr>
+            <a:xfrm>
+              <a:off x="7481879" y="2295518"/>
+              <a:ext cx="133351" cy="123826"/>
+            </a:xfrm>
+            <a:prstGeom prst="flowChartConnector">
+              <a:avLst/>
+            </a:prstGeom>
+          </p:spPr>
+          <p:style>
+            <a:lnRef idx="2">
+              <a:schemeClr val="dk1">
+                <a:shade val="50000"/>
+              </a:schemeClr>
+            </a:lnRef>
+            <a:fillRef idx="1">
+              <a:schemeClr val="dk1"/>
+            </a:fillRef>
+            <a:effectRef idx="0">
+              <a:schemeClr val="dk1"/>
+            </a:effectRef>
+            <a:fontRef idx="minor">
+              <a:schemeClr val="lt1"/>
+            </a:fontRef>
+          </p:style>
+          <p:txBody>
+            <a:bodyPr rtlCol="0" anchor="ctr"/>
+            <a:lstStyle/>
+            <a:p>
+              <a:pPr algn="ctr"/>
+              <a:endParaRPr lang="zh-CN" altLang="en-US"/>
+            </a:p>
+          </p:txBody>
+        </p:sp>
+        <p:sp>
+          <p:nvSpPr>
+            <p:cNvPr id="9" name="流程图: 接点 8">
+              <a:extLst>
+                <a:ext uri="{FF2B5EF4-FFF2-40B4-BE49-F238E27FC236}">
+                  <a16:creationId xmlns:a16="http://schemas.microsoft.com/office/drawing/2014/main" id="{3FAC9B62-6230-40CA-BDCF-49B6E5798652}"/>
+                </a:ext>
+              </a:extLst>
+            </p:cNvPr>
+            <p:cNvSpPr/>
+            <p:nvPr/>
+          </p:nvSpPr>
+          <p:spPr>
+            <a:xfrm>
+              <a:off x="7486646" y="3791743"/>
+              <a:ext cx="133351" cy="123826"/>
+            </a:xfrm>
+            <a:prstGeom prst="flowChartConnector">
+              <a:avLst/>
+            </a:prstGeom>
+          </p:spPr>
+          <p:style>
+            <a:lnRef idx="2">
+              <a:schemeClr val="dk1">
+                <a:shade val="50000"/>
+              </a:schemeClr>
+            </a:lnRef>
+            <a:fillRef idx="1">
+              <a:schemeClr val="dk1"/>
+            </a:fillRef>
+            <a:effectRef idx="0">
+              <a:schemeClr val="dk1"/>
+            </a:effectRef>
+            <a:fontRef idx="minor">
+              <a:schemeClr val="lt1"/>
+            </a:fontRef>
+          </p:style>
+          <p:txBody>
+            <a:bodyPr rtlCol="0" anchor="ctr"/>
+            <a:lstStyle/>
+            <a:p>
+              <a:pPr algn="ctr"/>
+              <a:endParaRPr lang="zh-CN" altLang="en-US" dirty="0"/>
+            </a:p>
+          </p:txBody>
+        </p:sp>
+        <p:sp>
+          <p:nvSpPr>
+            <p:cNvPr id="10" name="文本框 9">
+              <a:extLst>
+                <a:ext uri="{FF2B5EF4-FFF2-40B4-BE49-F238E27FC236}">
+                  <a16:creationId xmlns:a16="http://schemas.microsoft.com/office/drawing/2014/main" id="{E60B799A-D880-4D12-962C-C9DA16B39C0C}"/>
+                </a:ext>
+              </a:extLst>
+            </p:cNvPr>
+            <p:cNvSpPr txBox="1"/>
+            <p:nvPr/>
+          </p:nvSpPr>
+          <p:spPr>
+            <a:xfrm>
+              <a:off x="4668673" y="2099128"/>
+              <a:ext cx="492443" cy="215444"/>
+            </a:xfrm>
+            <a:prstGeom prst="rect">
+              <a:avLst/>
+            </a:prstGeom>
+            <a:noFill/>
+          </p:spPr>
+          <p:txBody>
+            <a:bodyPr wrap="none" rtlCol="0">
+              <a:spAutoFit/>
+            </a:bodyPr>
+            <a:lstStyle/>
+            <a:p>
+              <a:r>
+                <a:rPr lang="zh-CN" altLang="en-US" sz="800" b="1" dirty="0"/>
+                <a:t>基站二</a:t>
+              </a:r>
+            </a:p>
+          </p:txBody>
+        </p:sp>
+        <p:sp>
+          <p:nvSpPr>
+            <p:cNvPr id="11" name="文本框 10">
+              <a:extLst>
+                <a:ext uri="{FF2B5EF4-FFF2-40B4-BE49-F238E27FC236}">
+                  <a16:creationId xmlns:a16="http://schemas.microsoft.com/office/drawing/2014/main" id="{2C9ADAC3-950B-45C6-B559-72726DBCDFBE}"/>
+                </a:ext>
+              </a:extLst>
+            </p:cNvPr>
+            <p:cNvSpPr txBox="1"/>
+            <p:nvPr/>
+          </p:nvSpPr>
+          <p:spPr>
+            <a:xfrm>
+              <a:off x="7302332" y="2126565"/>
+              <a:ext cx="492443" cy="215444"/>
+            </a:xfrm>
+            <a:prstGeom prst="rect">
+              <a:avLst/>
+            </a:prstGeom>
+            <a:noFill/>
+          </p:spPr>
+          <p:txBody>
+            <a:bodyPr wrap="none" rtlCol="0">
+              <a:spAutoFit/>
+            </a:bodyPr>
+            <a:lstStyle/>
+            <a:p>
+              <a:r>
+                <a:rPr lang="zh-CN" altLang="en-US" sz="800" b="1" dirty="0"/>
+                <a:t>基站一</a:t>
+              </a:r>
+            </a:p>
+          </p:txBody>
+        </p:sp>
+        <p:sp>
+          <p:nvSpPr>
+            <p:cNvPr id="12" name="文本框 11">
+              <a:extLst>
+                <a:ext uri="{FF2B5EF4-FFF2-40B4-BE49-F238E27FC236}">
+                  <a16:creationId xmlns:a16="http://schemas.microsoft.com/office/drawing/2014/main" id="{B90DC554-AE1A-401B-8403-FBE3076876AA}"/>
+                </a:ext>
+              </a:extLst>
+            </p:cNvPr>
+            <p:cNvSpPr txBox="1"/>
+            <p:nvPr/>
+          </p:nvSpPr>
+          <p:spPr>
+            <a:xfrm>
+              <a:off x="7302332" y="3606686"/>
+              <a:ext cx="492443" cy="215444"/>
+            </a:xfrm>
+            <a:prstGeom prst="rect">
+              <a:avLst/>
+            </a:prstGeom>
+            <a:noFill/>
+          </p:spPr>
+          <p:txBody>
+            <a:bodyPr wrap="none" rtlCol="0">
+              <a:spAutoFit/>
+            </a:bodyPr>
+            <a:lstStyle/>
+            <a:p>
+              <a:r>
+                <a:rPr lang="zh-CN" altLang="en-US" sz="800" b="1" dirty="0"/>
+                <a:t>基站四</a:t>
+              </a:r>
+            </a:p>
+          </p:txBody>
+        </p:sp>
+        <p:sp>
+          <p:nvSpPr>
+            <p:cNvPr id="13" name="文本框 12">
+              <a:extLst>
+                <a:ext uri="{FF2B5EF4-FFF2-40B4-BE49-F238E27FC236}">
+                  <a16:creationId xmlns:a16="http://schemas.microsoft.com/office/drawing/2014/main" id="{0D3E52B8-0A8F-46DC-B896-210A20B12D33}"/>
+                </a:ext>
+              </a:extLst>
+            </p:cNvPr>
+            <p:cNvSpPr txBox="1"/>
+            <p:nvPr/>
+          </p:nvSpPr>
+          <p:spPr>
+            <a:xfrm>
+              <a:off x="4668673" y="3564392"/>
+              <a:ext cx="492443" cy="215444"/>
+            </a:xfrm>
+            <a:prstGeom prst="rect">
+              <a:avLst/>
+            </a:prstGeom>
+            <a:noFill/>
+          </p:spPr>
+          <p:txBody>
+            <a:bodyPr wrap="none" rtlCol="0">
+              <a:spAutoFit/>
+            </a:bodyPr>
+            <a:lstStyle/>
+            <a:p>
+              <a:r>
+                <a:rPr lang="zh-CN" altLang="en-US" sz="800" b="1" dirty="0"/>
+                <a:t>基站三</a:t>
+              </a:r>
+            </a:p>
+          </p:txBody>
+        </p:sp>
+        <p:sp>
+          <p:nvSpPr>
+            <p:cNvPr id="14" name="文本框 13">
+              <a:extLst>
+                <a:ext uri="{FF2B5EF4-FFF2-40B4-BE49-F238E27FC236}">
+                  <a16:creationId xmlns:a16="http://schemas.microsoft.com/office/drawing/2014/main" id="{C43DD80F-EF68-4E45-9142-CC599BBCC2DB}"/>
+                </a:ext>
+              </a:extLst>
+            </p:cNvPr>
+            <p:cNvSpPr txBox="1"/>
+            <p:nvPr/>
+          </p:nvSpPr>
+          <p:spPr>
+            <a:xfrm>
+              <a:off x="6809889" y="3035870"/>
+              <a:ext cx="389850" cy="215444"/>
+            </a:xfrm>
+            <a:prstGeom prst="rect">
+              <a:avLst/>
+            </a:prstGeom>
+            <a:noFill/>
+          </p:spPr>
+          <p:txBody>
+            <a:bodyPr wrap="none" rtlCol="0">
+              <a:spAutoFit/>
+            </a:bodyPr>
+            <a:lstStyle/>
+            <a:p>
+              <a:r>
+                <a:rPr lang="zh-CN" altLang="en-US" sz="800" b="1" dirty="0"/>
+                <a:t>标签</a:t>
+              </a:r>
+            </a:p>
+          </p:txBody>
+        </p:sp>
+        <p:sp>
+          <p:nvSpPr>
+            <p:cNvPr id="15" name="等腰三角形 14">
+              <a:extLst>
+                <a:ext uri="{FF2B5EF4-FFF2-40B4-BE49-F238E27FC236}">
+                  <a16:creationId xmlns:a16="http://schemas.microsoft.com/office/drawing/2014/main" id="{E1F91620-6B21-4CB2-8774-A64DC438C75C}"/>
+                </a:ext>
+              </a:extLst>
+            </p:cNvPr>
+            <p:cNvSpPr/>
+            <p:nvPr/>
+          </p:nvSpPr>
+          <p:spPr>
+            <a:xfrm>
+              <a:off x="6653213" y="3203689"/>
+              <a:ext cx="156676" cy="95250"/>
+            </a:xfrm>
+            <a:prstGeom prst="triangle">
+              <a:avLst/>
+            </a:prstGeom>
+          </p:spPr>
+          <p:style>
+            <a:lnRef idx="2">
+              <a:schemeClr val="dk1">
+                <a:shade val="50000"/>
+              </a:schemeClr>
+            </a:lnRef>
+            <a:fillRef idx="1">
+              <a:schemeClr val="dk1"/>
+            </a:fillRef>
+            <a:effectRef idx="0">
+              <a:schemeClr val="dk1"/>
+            </a:effectRef>
+            <a:fontRef idx="minor">
+              <a:schemeClr val="lt1"/>
+            </a:fontRef>
+          </p:style>
+          <p:txBody>
+            <a:bodyPr rtlCol="0" anchor="ctr"/>
+            <a:lstStyle/>
+            <a:p>
+              <a:pPr algn="ctr"/>
+              <a:endParaRPr lang="zh-CN" altLang="en-US"/>
+            </a:p>
+          </p:txBody>
+        </p:sp>
+        <p:sp>
+          <p:nvSpPr>
+            <p:cNvPr id="16" name="矩形 15">
+              <a:extLst>
+                <a:ext uri="{FF2B5EF4-FFF2-40B4-BE49-F238E27FC236}">
+                  <a16:creationId xmlns:a16="http://schemas.microsoft.com/office/drawing/2014/main" id="{D15EA67D-9418-4F4B-B555-C8F91D8DA1F3}"/>
+                </a:ext>
+              </a:extLst>
+            </p:cNvPr>
+            <p:cNvSpPr/>
+            <p:nvPr/>
+          </p:nvSpPr>
+          <p:spPr>
+            <a:xfrm>
+              <a:off x="5659438" y="3203689"/>
+              <a:ext cx="149651" cy="134824"/>
+            </a:xfrm>
+            <a:prstGeom prst="rect">
+              <a:avLst/>
+            </a:prstGeom>
+            <a:ln>
+              <a:noFill/>
+            </a:ln>
+          </p:spPr>
+          <p:style>
+            <a:lnRef idx="2">
+              <a:schemeClr val="dk1"/>
+            </a:lnRef>
+            <a:fillRef idx="1">
+              <a:schemeClr val="lt1"/>
+            </a:fillRef>
+            <a:effectRef idx="0">
+              <a:schemeClr val="dk1"/>
+            </a:effectRef>
+            <a:fontRef idx="minor">
+              <a:schemeClr val="dk1"/>
+            </a:fontRef>
+          </p:style>
+          <p:txBody>
+            <a:bodyPr rtlCol="0" anchor="ctr"/>
+            <a:lstStyle/>
+            <a:p>
+              <a:pPr algn="ctr"/>
+              <a:endParaRPr lang="zh-CN" altLang="en-US"/>
+            </a:p>
+          </p:txBody>
+        </p:sp>
+      </p:grpSp>
+    </p:spTree>
+    <p:extLst>
+      <p:ext uri="{BB962C8B-B14F-4D97-AF65-F5344CB8AC3E}">
+        <p14:creationId xmlns:p14="http://schemas.microsoft.com/office/powerpoint/2010/main" val="1969583379"/>
       </p:ext>
     </p:extLst>
   </p:cSld>
